--- a/Sample PowerPoint with Notes.pptx
+++ b/Sample PowerPoint with Notes.pptx
@@ -5,7 +5,7 @@
     <p:sldMasterId id="2147483660" r:id="rId1"/>
   </p:sldMasterIdLst>
   <p:notesMasterIdLst>
-    <p:notesMasterId r:id="rId8"/>
+    <p:notesMasterId r:id="rId25"/>
   </p:notesMasterIdLst>
   <p:sldIdLst>
     <p:sldId id="256" r:id="rId2"/>
@@ -14,6 +14,23 @@
     <p:sldId id="259" r:id="rId5"/>
     <p:sldId id="260" r:id="rId6"/>
     <p:sldId id="261" r:id="rId7"/>
+    <p:sldId id="262" r:id="rId8"/>
+    <p:sldId id="263" r:id="rId9"/>
+    <p:sldId id="264" r:id="rId10"/>
+    <p:sldId id="265" r:id="rId11"/>
+    <p:sldId id="266" r:id="rId12"/>
+    <p:sldId id="267" r:id="rId13"/>
+    <p:sldId id="268" r:id="rId14"/>
+    <p:sldId id="269" r:id="rId15"/>
+    <p:sldId id="270" r:id="rId16"/>
+    <p:sldId id="271" r:id="rId17"/>
+    <p:sldId id="272" r:id="rId18"/>
+    <p:sldId id="273" r:id="rId19"/>
+    <p:sldId id="274" r:id="rId20"/>
+    <p:sldId id="275" r:id="rId21"/>
+    <p:sldId id="276" r:id="rId22"/>
+    <p:sldId id="277" r:id="rId23"/>
+    <p:sldId id="278" r:id="rId24"/>
   </p:sldIdLst>
   <p:sldSz cx="9144000" cy="5143500" type="screen16x9"/>
   <p:notesSz cx="6858000" cy="9144000"/>
@@ -551,7 +568,335 @@
           <a:p>
             <a:fld id="{18BDFEC3-8487-43E8-A154-7C12CBC1FFF2}" type="slidenum">
               <a:rPr lang="en-US"/>
-              <a:t>2</a:t>
+              <a:t>5</a:t>
+            </a:fld>
+            <a:endParaRPr lang="en-US"/>
+          </a:p>
+        </p:txBody>
+      </p:sp>
+    </p:spTree>
+  </p:cSld>
+</p:notes>
+</file>
+
+<file path=ppt/notesSlides/notesSlide10.xml><?xml version="1.0" encoding="utf-8"?>
+<p:notes xmlns:a="http://schemas.openxmlformats.org/drawingml/2006/main" xmlns:r="http://schemas.openxmlformats.org/officeDocument/2006/relationships" xmlns:p="http://schemas.openxmlformats.org/presentationml/2006/main">
+  <p:cSld>
+    <p:spTree>
+      <p:nvGrpSpPr>
+        <p:cNvPr id="1" name=""/>
+        <p:cNvGrpSpPr/>
+        <p:nvPr/>
+      </p:nvGrpSpPr>
+      <p:grpSpPr>
+        <a:xfrm>
+          <a:off x="0" y="0"/>
+          <a:ext cx="0" cy="0"/>
+          <a:chOff x="0" y="0"/>
+          <a:chExt cx="0" cy="0"/>
+        </a:xfrm>
+      </p:grpSpPr>
+      <p:sp>
+        <p:nvSpPr>
+          <p:cNvPr id="2" name="Slide Image Placeholder 1"/>
+          <p:cNvSpPr>
+            <a:spLocks noGrp="1" noRot="1" noChangeAspect="1"/>
+          </p:cNvSpPr>
+          <p:nvPr>
+            <p:ph type="sldImg"/>
+          </p:nvPr>
+        </p:nvSpPr>
+        <p:spPr/>
+      </p:sp>
+      <p:sp>
+        <p:nvSpPr>
+          <p:cNvPr id="3" name="Notes Placeholder 2"/>
+          <p:cNvSpPr>
+            <a:spLocks noGrp="1"/>
+          </p:cNvSpPr>
+          <p:nvPr>
+            <p:ph type="body" idx="1"/>
+          </p:nvPr>
+        </p:nvSpPr>
+        <p:spPr/>
+        <p:txBody>
+          <a:bodyPr/>
+          <a:lstStyle/>
+          <a:p>
+            <a:pPr lvl="0" indent="0" marL="0">
+              <a:buNone/>
+            </a:pPr>
+            <a:r>
+              <a:rPr/>
+              <a:t>Explain how relative estimation works and its common units.</a:t>
+            </a:r>
+          </a:p>
+        </p:txBody>
+      </p:sp>
+      <p:sp>
+        <p:nvSpPr>
+          <p:cNvPr id="4" name="Slide Number Placeholder 3"/>
+          <p:cNvSpPr>
+            <a:spLocks noGrp="1"/>
+          </p:cNvSpPr>
+          <p:nvPr>
+            <p:ph type="sldNum" sz="quarter" idx="10"/>
+          </p:nvPr>
+        </p:nvSpPr>
+        <p:spPr/>
+        <p:txBody>
+          <a:bodyPr/>
+          <a:lstStyle/>
+          <a:p>
+            <a:fld id="{18BDFEC3-8487-43E8-A154-7C12CBC1FFF2}" type="slidenum">
+              <a:rPr lang="en-US"/>
+              <a:t>18</a:t>
+            </a:fld>
+            <a:endParaRPr lang="en-US"/>
+          </a:p>
+        </p:txBody>
+      </p:sp>
+    </p:spTree>
+  </p:cSld>
+</p:notes>
+</file>
+
+<file path=ppt/notesSlides/notesSlide11.xml><?xml version="1.0" encoding="utf-8"?>
+<p:notes xmlns:a="http://schemas.openxmlformats.org/drawingml/2006/main" xmlns:r="http://schemas.openxmlformats.org/officeDocument/2006/relationships" xmlns:p="http://schemas.openxmlformats.org/presentationml/2006/main">
+  <p:cSld>
+    <p:spTree>
+      <p:nvGrpSpPr>
+        <p:cNvPr id="1" name=""/>
+        <p:cNvGrpSpPr/>
+        <p:nvPr/>
+      </p:nvGrpSpPr>
+      <p:grpSpPr>
+        <a:xfrm>
+          <a:off x="0" y="0"/>
+          <a:ext cx="0" cy="0"/>
+          <a:chOff x="0" y="0"/>
+          <a:chExt cx="0" cy="0"/>
+        </a:xfrm>
+      </p:grpSpPr>
+      <p:sp>
+        <p:nvSpPr>
+          <p:cNvPr id="2" name="Slide Image Placeholder 1"/>
+          <p:cNvSpPr>
+            <a:spLocks noGrp="1" noRot="1" noChangeAspect="1"/>
+          </p:cNvSpPr>
+          <p:nvPr>
+            <p:ph type="sldImg"/>
+          </p:nvPr>
+        </p:nvSpPr>
+        <p:spPr/>
+      </p:sp>
+      <p:sp>
+        <p:nvSpPr>
+          <p:cNvPr id="3" name="Notes Placeholder 2"/>
+          <p:cNvSpPr>
+            <a:spLocks noGrp="1"/>
+          </p:cNvSpPr>
+          <p:nvPr>
+            <p:ph type="body" idx="1"/>
+          </p:nvPr>
+        </p:nvSpPr>
+        <p:spPr/>
+        <p:txBody>
+          <a:bodyPr/>
+          <a:lstStyle/>
+          <a:p>
+            <a:pPr lvl="0" indent="0" marL="0">
+              <a:buNone/>
+            </a:pPr>
+            <a:r>
+              <a:rPr/>
+              <a:t>Summarize the key takeaways from the course.</a:t>
+            </a:r>
+          </a:p>
+        </p:txBody>
+      </p:sp>
+      <p:sp>
+        <p:nvSpPr>
+          <p:cNvPr id="4" name="Slide Number Placeholder 3"/>
+          <p:cNvSpPr>
+            <a:spLocks noGrp="1"/>
+          </p:cNvSpPr>
+          <p:nvPr>
+            <p:ph type="sldNum" sz="quarter" idx="10"/>
+          </p:nvPr>
+        </p:nvSpPr>
+        <p:spPr/>
+        <p:txBody>
+          <a:bodyPr/>
+          <a:lstStyle/>
+          <a:p>
+            <a:fld id="{18BDFEC3-8487-43E8-A154-7C12CBC1FFF2}" type="slidenum">
+              <a:rPr lang="en-US"/>
+              <a:t>20</a:t>
+            </a:fld>
+            <a:endParaRPr lang="en-US"/>
+          </a:p>
+        </p:txBody>
+      </p:sp>
+    </p:spTree>
+  </p:cSld>
+</p:notes>
+</file>
+
+<file path=ppt/notesSlides/notesSlide12.xml><?xml version="1.0" encoding="utf-8"?>
+<p:notes xmlns:a="http://schemas.openxmlformats.org/drawingml/2006/main" xmlns:r="http://schemas.openxmlformats.org/officeDocument/2006/relationships" xmlns:p="http://schemas.openxmlformats.org/presentationml/2006/main">
+  <p:cSld>
+    <p:spTree>
+      <p:nvGrpSpPr>
+        <p:cNvPr id="1" name=""/>
+        <p:cNvGrpSpPr/>
+        <p:nvPr/>
+      </p:nvGrpSpPr>
+      <p:grpSpPr>
+        <a:xfrm>
+          <a:off x="0" y="0"/>
+          <a:ext cx="0" cy="0"/>
+          <a:chOff x="0" y="0"/>
+          <a:chExt cx="0" cy="0"/>
+        </a:xfrm>
+      </p:grpSpPr>
+      <p:sp>
+        <p:nvSpPr>
+          <p:cNvPr id="2" name="Slide Image Placeholder 1"/>
+          <p:cNvSpPr>
+            <a:spLocks noGrp="1" noRot="1" noChangeAspect="1"/>
+          </p:cNvSpPr>
+          <p:nvPr>
+            <p:ph type="sldImg"/>
+          </p:nvPr>
+        </p:nvSpPr>
+        <p:spPr/>
+      </p:sp>
+      <p:sp>
+        <p:nvSpPr>
+          <p:cNvPr id="3" name="Notes Placeholder 2"/>
+          <p:cNvSpPr>
+            <a:spLocks noGrp="1"/>
+          </p:cNvSpPr>
+          <p:nvPr>
+            <p:ph type="body" idx="1"/>
+          </p:nvPr>
+        </p:nvSpPr>
+        <p:spPr/>
+        <p:txBody>
+          <a:bodyPr/>
+          <a:lstStyle/>
+          <a:p>
+            <a:pPr lvl="0" indent="0" marL="0">
+              <a:buNone/>
+            </a:pPr>
+            <a:r>
+              <a:rPr/>
+              <a:t>Provide guidance on what students can do next to deepen their knowledge of Agile.</a:t>
+            </a:r>
+          </a:p>
+        </p:txBody>
+      </p:sp>
+      <p:sp>
+        <p:nvSpPr>
+          <p:cNvPr id="4" name="Slide Number Placeholder 3"/>
+          <p:cNvSpPr>
+            <a:spLocks noGrp="1"/>
+          </p:cNvSpPr>
+          <p:nvPr>
+            <p:ph type="sldNum" sz="quarter" idx="10"/>
+          </p:nvPr>
+        </p:nvSpPr>
+        <p:spPr/>
+        <p:txBody>
+          <a:bodyPr/>
+          <a:lstStyle/>
+          <a:p>
+            <a:fld id="{18BDFEC3-8487-43E8-A154-7C12CBC1FFF2}" type="slidenum">
+              <a:rPr lang="en-US"/>
+              <a:t>21</a:t>
+            </a:fld>
+            <a:endParaRPr lang="en-US"/>
+          </a:p>
+        </p:txBody>
+      </p:sp>
+    </p:spTree>
+  </p:cSld>
+</p:notes>
+</file>
+
+<file path=ppt/notesSlides/notesSlide13.xml><?xml version="1.0" encoding="utf-8"?>
+<p:notes xmlns:a="http://schemas.openxmlformats.org/drawingml/2006/main" xmlns:r="http://schemas.openxmlformats.org/officeDocument/2006/relationships" xmlns:p="http://schemas.openxmlformats.org/presentationml/2006/main">
+  <p:cSld>
+    <p:spTree>
+      <p:nvGrpSpPr>
+        <p:cNvPr id="1" name=""/>
+        <p:cNvGrpSpPr/>
+        <p:nvPr/>
+      </p:nvGrpSpPr>
+      <p:grpSpPr>
+        <a:xfrm>
+          <a:off x="0" y="0"/>
+          <a:ext cx="0" cy="0"/>
+          <a:chOff x="0" y="0"/>
+          <a:chExt cx="0" cy="0"/>
+        </a:xfrm>
+      </p:grpSpPr>
+      <p:sp>
+        <p:nvSpPr>
+          <p:cNvPr id="2" name="Slide Image Placeholder 1"/>
+          <p:cNvSpPr>
+            <a:spLocks noGrp="1" noRot="1" noChangeAspect="1"/>
+          </p:cNvSpPr>
+          <p:nvPr>
+            <p:ph type="sldImg"/>
+          </p:nvPr>
+        </p:nvSpPr>
+        <p:spPr/>
+      </p:sp>
+      <p:sp>
+        <p:nvSpPr>
+          <p:cNvPr id="3" name="Notes Placeholder 2"/>
+          <p:cNvSpPr>
+            <a:spLocks noGrp="1"/>
+          </p:cNvSpPr>
+          <p:nvPr>
+            <p:ph type="body" idx="1"/>
+          </p:nvPr>
+        </p:nvSpPr>
+        <p:spPr/>
+        <p:txBody>
+          <a:bodyPr/>
+          <a:lstStyle/>
+          <a:p>
+            <a:pPr lvl="0" indent="0" marL="0">
+              <a:buNone/>
+            </a:pPr>
+            <a:r>
+              <a:rPr/>
+              <a:t>Encourage students to start applying Agile practices in their projects.</a:t>
+            </a:r>
+          </a:p>
+        </p:txBody>
+      </p:sp>
+      <p:sp>
+        <p:nvSpPr>
+          <p:cNvPr id="4" name="Slide Number Placeholder 3"/>
+          <p:cNvSpPr>
+            <a:spLocks noGrp="1"/>
+          </p:cNvSpPr>
+          <p:nvPr>
+            <p:ph type="sldNum" sz="quarter" idx="10"/>
+          </p:nvPr>
+        </p:nvSpPr>
+        <p:spPr/>
+        <p:txBody>
+          <a:bodyPr/>
+          <a:lstStyle/>
+          <a:p>
+            <a:fld id="{18BDFEC3-8487-43E8-A154-7C12CBC1FFF2}" type="slidenum">
+              <a:rPr lang="en-US"/>
+              <a:t>23</a:t>
             </a:fld>
             <a:endParaRPr lang="en-US"/>
           </a:p>
@@ -611,7 +956,7 @@
             </a:pPr>
             <a:r>
               <a:rPr/>
-              <a:t>More Speaker notes go here</a:t>
+              <a:t>In this section, provide an overview of the course content and what students can expect to learn.</a:t>
             </a:r>
           </a:p>
         </p:txBody>
@@ -633,7 +978,7 @@
           <a:p>
             <a:fld id="{18BDFEC3-8487-43E8-A154-7C12CBC1FFF2}" type="slidenum">
               <a:rPr lang="en-US"/>
-              <a:t>3</a:t>
+              <a:t>6</a:t>
             </a:fld>
             <a:endParaRPr lang="en-US"/>
           </a:p>
@@ -693,7 +1038,7 @@
             </a:pPr>
             <a:r>
               <a:rPr/>
-              <a:t>And More Speaker notes go here</a:t>
+              <a:t>Speaker notes go here</a:t>
             </a:r>
           </a:p>
         </p:txBody>
@@ -715,7 +1060,7 @@
           <a:p>
             <a:fld id="{18BDFEC3-8487-43E8-A154-7C12CBC1FFF2}" type="slidenum">
               <a:rPr lang="en-US"/>
-              <a:t>5</a:t>
+              <a:t>8</a:t>
             </a:fld>
             <a:endParaRPr lang="en-US"/>
           </a:p>
@@ -775,7 +1120,7 @@
             </a:pPr>
             <a:r>
               <a:rPr/>
-              <a:t>Even very long speaker notes can be included in the markdown You can add as much text as you can fit in the notes section of a PowerPoint slide</a:t>
+              <a:t>Elaborate on each principle and its importance in Agile.</a:t>
             </a:r>
           </a:p>
         </p:txBody>
@@ -797,7 +1142,417 @@
           <a:p>
             <a:fld id="{18BDFEC3-8487-43E8-A154-7C12CBC1FFF2}" type="slidenum">
               <a:rPr lang="en-US"/>
-              <a:t>6</a:t>
+              <a:t>9</a:t>
+            </a:fld>
+            <a:endParaRPr lang="en-US"/>
+          </a:p>
+        </p:txBody>
+      </p:sp>
+    </p:spTree>
+  </p:cSld>
+</p:notes>
+</file>
+
+<file path=ppt/notesSlides/notesSlide5.xml><?xml version="1.0" encoding="utf-8"?>
+<p:notes xmlns:a="http://schemas.openxmlformats.org/drawingml/2006/main" xmlns:r="http://schemas.openxmlformats.org/officeDocument/2006/relationships" xmlns:p="http://schemas.openxmlformats.org/presentationml/2006/main">
+  <p:cSld>
+    <p:spTree>
+      <p:nvGrpSpPr>
+        <p:cNvPr id="1" name=""/>
+        <p:cNvGrpSpPr/>
+        <p:nvPr/>
+      </p:nvGrpSpPr>
+      <p:grpSpPr>
+        <a:xfrm>
+          <a:off x="0" y="0"/>
+          <a:ext cx="0" cy="0"/>
+          <a:chOff x="0" y="0"/>
+          <a:chExt cx="0" cy="0"/>
+        </a:xfrm>
+      </p:grpSpPr>
+      <p:sp>
+        <p:nvSpPr>
+          <p:cNvPr id="2" name="Slide Image Placeholder 1"/>
+          <p:cNvSpPr>
+            <a:spLocks noGrp="1" noRot="1" noChangeAspect="1"/>
+          </p:cNvSpPr>
+          <p:nvPr>
+            <p:ph type="sldImg"/>
+          </p:nvPr>
+        </p:nvSpPr>
+        <p:spPr/>
+      </p:sp>
+      <p:sp>
+        <p:nvSpPr>
+          <p:cNvPr id="3" name="Notes Placeholder 2"/>
+          <p:cNvSpPr>
+            <a:spLocks noGrp="1"/>
+          </p:cNvSpPr>
+          <p:nvPr>
+            <p:ph type="body" idx="1"/>
+          </p:nvPr>
+        </p:nvSpPr>
+        <p:spPr/>
+        <p:txBody>
+          <a:bodyPr/>
+          <a:lstStyle/>
+          <a:p>
+            <a:pPr lvl="0" indent="0" marL="0">
+              <a:buNone/>
+            </a:pPr>
+            <a:r>
+              <a:rPr/>
+              <a:t>Speaker notes go here</a:t>
+            </a:r>
+          </a:p>
+        </p:txBody>
+      </p:sp>
+      <p:sp>
+        <p:nvSpPr>
+          <p:cNvPr id="4" name="Slide Number Placeholder 3"/>
+          <p:cNvSpPr>
+            <a:spLocks noGrp="1"/>
+          </p:cNvSpPr>
+          <p:nvPr>
+            <p:ph type="sldNum" sz="quarter" idx="10"/>
+          </p:nvPr>
+        </p:nvSpPr>
+        <p:spPr/>
+        <p:txBody>
+          <a:bodyPr/>
+          <a:lstStyle/>
+          <a:p>
+            <a:fld id="{18BDFEC3-8487-43E8-A154-7C12CBC1FFF2}" type="slidenum">
+              <a:rPr lang="en-US"/>
+              <a:t>11</a:t>
+            </a:fld>
+            <a:endParaRPr lang="en-US"/>
+          </a:p>
+        </p:txBody>
+      </p:sp>
+    </p:spTree>
+  </p:cSld>
+</p:notes>
+</file>
+
+<file path=ppt/notesSlides/notesSlide6.xml><?xml version="1.0" encoding="utf-8"?>
+<p:notes xmlns:a="http://schemas.openxmlformats.org/drawingml/2006/main" xmlns:r="http://schemas.openxmlformats.org/officeDocument/2006/relationships" xmlns:p="http://schemas.openxmlformats.org/presentationml/2006/main">
+  <p:cSld>
+    <p:spTree>
+      <p:nvGrpSpPr>
+        <p:cNvPr id="1" name=""/>
+        <p:cNvGrpSpPr/>
+        <p:nvPr/>
+      </p:nvGrpSpPr>
+      <p:grpSpPr>
+        <a:xfrm>
+          <a:off x="0" y="0"/>
+          <a:ext cx="0" cy="0"/>
+          <a:chOff x="0" y="0"/>
+          <a:chExt cx="0" cy="0"/>
+        </a:xfrm>
+      </p:grpSpPr>
+      <p:sp>
+        <p:nvSpPr>
+          <p:cNvPr id="2" name="Slide Image Placeholder 1"/>
+          <p:cNvSpPr>
+            <a:spLocks noGrp="1" noRot="1" noChangeAspect="1"/>
+          </p:cNvSpPr>
+          <p:nvPr>
+            <p:ph type="sldImg"/>
+          </p:nvPr>
+        </p:nvSpPr>
+        <p:spPr/>
+      </p:sp>
+      <p:sp>
+        <p:nvSpPr>
+          <p:cNvPr id="3" name="Notes Placeholder 2"/>
+          <p:cNvSpPr>
+            <a:spLocks noGrp="1"/>
+          </p:cNvSpPr>
+          <p:nvPr>
+            <p:ph type="body" idx="1"/>
+          </p:nvPr>
+        </p:nvSpPr>
+        <p:spPr/>
+        <p:txBody>
+          <a:bodyPr/>
+          <a:lstStyle/>
+          <a:p>
+            <a:pPr lvl="0" indent="0" marL="0">
+              <a:buNone/>
+            </a:pPr>
+            <a:r>
+              <a:rPr/>
+              <a:t>Explain each artifact and its role in Scrum.</a:t>
+            </a:r>
+          </a:p>
+        </p:txBody>
+      </p:sp>
+      <p:sp>
+        <p:nvSpPr>
+          <p:cNvPr id="4" name="Slide Number Placeholder 3"/>
+          <p:cNvSpPr>
+            <a:spLocks noGrp="1"/>
+          </p:cNvSpPr>
+          <p:nvPr>
+            <p:ph type="sldNum" sz="quarter" idx="10"/>
+          </p:nvPr>
+        </p:nvSpPr>
+        <p:spPr/>
+        <p:txBody>
+          <a:bodyPr/>
+          <a:lstStyle/>
+          <a:p>
+            <a:fld id="{18BDFEC3-8487-43E8-A154-7C12CBC1FFF2}" type="slidenum">
+              <a:rPr lang="en-US"/>
+              <a:t>12</a:t>
+            </a:fld>
+            <a:endParaRPr lang="en-US"/>
+          </a:p>
+        </p:txBody>
+      </p:sp>
+    </p:spTree>
+  </p:cSld>
+</p:notes>
+</file>
+
+<file path=ppt/notesSlides/notesSlide7.xml><?xml version="1.0" encoding="utf-8"?>
+<p:notes xmlns:a="http://schemas.openxmlformats.org/drawingml/2006/main" xmlns:r="http://schemas.openxmlformats.org/officeDocument/2006/relationships" xmlns:p="http://schemas.openxmlformats.org/presentationml/2006/main">
+  <p:cSld>
+    <p:spTree>
+      <p:nvGrpSpPr>
+        <p:cNvPr id="1" name=""/>
+        <p:cNvGrpSpPr/>
+        <p:nvPr/>
+      </p:nvGrpSpPr>
+      <p:grpSpPr>
+        <a:xfrm>
+          <a:off x="0" y="0"/>
+          <a:ext cx="0" cy="0"/>
+          <a:chOff x="0" y="0"/>
+          <a:chExt cx="0" cy="0"/>
+        </a:xfrm>
+      </p:grpSpPr>
+      <p:sp>
+        <p:nvSpPr>
+          <p:cNvPr id="2" name="Slide Image Placeholder 1"/>
+          <p:cNvSpPr>
+            <a:spLocks noGrp="1" noRot="1" noChangeAspect="1"/>
+          </p:cNvSpPr>
+          <p:nvPr>
+            <p:ph type="sldImg"/>
+          </p:nvPr>
+        </p:nvSpPr>
+        <p:spPr/>
+      </p:sp>
+      <p:sp>
+        <p:nvSpPr>
+          <p:cNvPr id="3" name="Notes Placeholder 2"/>
+          <p:cNvSpPr>
+            <a:spLocks noGrp="1"/>
+          </p:cNvSpPr>
+          <p:nvPr>
+            <p:ph type="body" idx="1"/>
+          </p:nvPr>
+        </p:nvSpPr>
+        <p:spPr/>
+        <p:txBody>
+          <a:bodyPr/>
+          <a:lstStyle/>
+          <a:p>
+            <a:pPr lvl="0" indent="0" marL="0">
+              <a:buNone/>
+            </a:pPr>
+            <a:r>
+              <a:rPr/>
+              <a:t>Speaker notes go here</a:t>
+            </a:r>
+          </a:p>
+        </p:txBody>
+      </p:sp>
+      <p:sp>
+        <p:nvSpPr>
+          <p:cNvPr id="4" name="Slide Number Placeholder 3"/>
+          <p:cNvSpPr>
+            <a:spLocks noGrp="1"/>
+          </p:cNvSpPr>
+          <p:nvPr>
+            <p:ph type="sldNum" sz="quarter" idx="10"/>
+          </p:nvPr>
+        </p:nvSpPr>
+        <p:spPr/>
+        <p:txBody>
+          <a:bodyPr/>
+          <a:lstStyle/>
+          <a:p>
+            <a:fld id="{18BDFEC3-8487-43E8-A154-7C12CBC1FFF2}" type="slidenum">
+              <a:rPr lang="en-US"/>
+              <a:t>14</a:t>
+            </a:fld>
+            <a:endParaRPr lang="en-US"/>
+          </a:p>
+        </p:txBody>
+      </p:sp>
+    </p:spTree>
+  </p:cSld>
+</p:notes>
+</file>
+
+<file path=ppt/notesSlides/notesSlide8.xml><?xml version="1.0" encoding="utf-8"?>
+<p:notes xmlns:a="http://schemas.openxmlformats.org/drawingml/2006/main" xmlns:r="http://schemas.openxmlformats.org/officeDocument/2006/relationships" xmlns:p="http://schemas.openxmlformats.org/presentationml/2006/main">
+  <p:cSld>
+    <p:spTree>
+      <p:nvGrpSpPr>
+        <p:cNvPr id="1" name=""/>
+        <p:cNvGrpSpPr/>
+        <p:nvPr/>
+      </p:nvGrpSpPr>
+      <p:grpSpPr>
+        <a:xfrm>
+          <a:off x="0" y="0"/>
+          <a:ext cx="0" cy="0"/>
+          <a:chOff x="0" y="0"/>
+          <a:chExt cx="0" cy="0"/>
+        </a:xfrm>
+      </p:grpSpPr>
+      <p:sp>
+        <p:nvSpPr>
+          <p:cNvPr id="2" name="Slide Image Placeholder 1"/>
+          <p:cNvSpPr>
+            <a:spLocks noGrp="1" noRot="1" noChangeAspect="1"/>
+          </p:cNvSpPr>
+          <p:nvPr>
+            <p:ph type="sldImg"/>
+          </p:nvPr>
+        </p:nvSpPr>
+        <p:spPr/>
+      </p:sp>
+      <p:sp>
+        <p:nvSpPr>
+          <p:cNvPr id="3" name="Notes Placeholder 2"/>
+          <p:cNvSpPr>
+            <a:spLocks noGrp="1"/>
+          </p:cNvSpPr>
+          <p:nvPr>
+            <p:ph type="body" idx="1"/>
+          </p:nvPr>
+        </p:nvSpPr>
+        <p:spPr/>
+        <p:txBody>
+          <a:bodyPr/>
+          <a:lstStyle/>
+          <a:p>
+            <a:pPr lvl="0" indent="0" marL="0">
+              <a:buNone/>
+            </a:pPr>
+            <a:r>
+              <a:rPr/>
+              <a:t>Detail the columns on a Kanban board and how they’re used.</a:t>
+            </a:r>
+          </a:p>
+        </p:txBody>
+      </p:sp>
+      <p:sp>
+        <p:nvSpPr>
+          <p:cNvPr id="4" name="Slide Number Placeholder 3"/>
+          <p:cNvSpPr>
+            <a:spLocks noGrp="1"/>
+          </p:cNvSpPr>
+          <p:nvPr>
+            <p:ph type="sldNum" sz="quarter" idx="10"/>
+          </p:nvPr>
+        </p:nvSpPr>
+        <p:spPr/>
+        <p:txBody>
+          <a:bodyPr/>
+          <a:lstStyle/>
+          <a:p>
+            <a:fld id="{18BDFEC3-8487-43E8-A154-7C12CBC1FFF2}" type="slidenum">
+              <a:rPr lang="en-US"/>
+              <a:t>15</a:t>
+            </a:fld>
+            <a:endParaRPr lang="en-US"/>
+          </a:p>
+        </p:txBody>
+      </p:sp>
+    </p:spTree>
+  </p:cSld>
+</p:notes>
+</file>
+
+<file path=ppt/notesSlides/notesSlide9.xml><?xml version="1.0" encoding="utf-8"?>
+<p:notes xmlns:a="http://schemas.openxmlformats.org/drawingml/2006/main" xmlns:r="http://schemas.openxmlformats.org/officeDocument/2006/relationships" xmlns:p="http://schemas.openxmlformats.org/presentationml/2006/main">
+  <p:cSld>
+    <p:spTree>
+      <p:nvGrpSpPr>
+        <p:cNvPr id="1" name=""/>
+        <p:cNvGrpSpPr/>
+        <p:nvPr/>
+      </p:nvGrpSpPr>
+      <p:grpSpPr>
+        <a:xfrm>
+          <a:off x="0" y="0"/>
+          <a:ext cx="0" cy="0"/>
+          <a:chOff x="0" y="0"/>
+          <a:chExt cx="0" cy="0"/>
+        </a:xfrm>
+      </p:grpSpPr>
+      <p:sp>
+        <p:nvSpPr>
+          <p:cNvPr id="2" name="Slide Image Placeholder 1"/>
+          <p:cNvSpPr>
+            <a:spLocks noGrp="1" noRot="1" noChangeAspect="1"/>
+          </p:cNvSpPr>
+          <p:nvPr>
+            <p:ph type="sldImg"/>
+          </p:nvPr>
+        </p:nvSpPr>
+        <p:spPr/>
+      </p:sp>
+      <p:sp>
+        <p:nvSpPr>
+          <p:cNvPr id="3" name="Notes Placeholder 2"/>
+          <p:cNvSpPr>
+            <a:spLocks noGrp="1"/>
+          </p:cNvSpPr>
+          <p:nvPr>
+            <p:ph type="body" idx="1"/>
+          </p:nvPr>
+        </p:nvSpPr>
+        <p:spPr/>
+        <p:txBody>
+          <a:bodyPr/>
+          <a:lstStyle/>
+          <a:p>
+            <a:pPr lvl="0" indent="0" marL="0">
+              <a:buNone/>
+            </a:pPr>
+            <a:r>
+              <a:rPr/>
+              <a:t>Speaker notes go here</a:t>
+            </a:r>
+          </a:p>
+        </p:txBody>
+      </p:sp>
+      <p:sp>
+        <p:nvSpPr>
+          <p:cNvPr id="4" name="Slide Number Placeholder 3"/>
+          <p:cNvSpPr>
+            <a:spLocks noGrp="1"/>
+          </p:cNvSpPr>
+          <p:nvPr>
+            <p:ph type="sldNum" sz="quarter" idx="10"/>
+          </p:nvPr>
+        </p:nvSpPr>
+        <p:spPr/>
+        <p:txBody>
+          <a:bodyPr/>
+          <a:lstStyle/>
+          <a:p>
+            <a:fld id="{18BDFEC3-8487-43E8-A154-7C12CBC1FFF2}" type="slidenum">
+              <a:rPr lang="en-US"/>
+              <a:t>17</a:t>
             </a:fld>
             <a:endParaRPr lang="en-US"/>
           </a:p>
@@ -13501,6 +14256,675 @@
 </p:sld>
 </file>
 
+<file path=ppt/slides/slide10.xml><?xml version="1.0" encoding="utf-8"?>
+<p:sld xmlns:a="http://schemas.openxmlformats.org/drawingml/2006/main" xmlns:r="http://schemas.openxmlformats.org/officeDocument/2006/relationships" xmlns:p="http://schemas.openxmlformats.org/presentationml/2006/main">
+  <p:cSld>
+    <p:spTree>
+      <p:nvGrpSpPr>
+        <p:cNvPr id="1" name=""/>
+        <p:cNvGrpSpPr/>
+        <p:nvPr/>
+      </p:nvGrpSpPr>
+      <p:grpSpPr>
+        <a:xfrm>
+          <a:off x="0" y="0"/>
+          <a:ext cx="0" cy="0"/>
+          <a:chOff x="0" y="0"/>
+          <a:chExt cx="0" cy="0"/>
+        </a:xfrm>
+      </p:grpSpPr>
+      <p:sp>
+        <p:nvSpPr>
+          <p:cNvPr id="2" name="Title 1"/>
+          <p:cNvSpPr>
+            <a:spLocks noGrp="1"/>
+          </p:cNvSpPr>
+          <p:nvPr>
+            <p:ph type="title"/>
+          </p:nvPr>
+        </p:nvSpPr>
+        <p:spPr>
+          <a:xfrm>
+            <a:off x="856058" y="1064420"/>
+            <a:ext cx="7429500" cy="2139553"/>
+          </a:xfrm>
+        </p:spPr>
+        <p:txBody>
+          <a:bodyPr/>
+          <a:lstStyle/>
+          <a:p>
+            <a:pPr lvl="0" indent="0" marL="0">
+              <a:buNone/>
+            </a:pPr>
+            <a:r>
+              <a:rPr/>
+              <a:t>Scrum Methodology</a:t>
+            </a:r>
+          </a:p>
+        </p:txBody>
+      </p:sp>
+    </p:spTree>
+  </p:cSld>
+</p:sld>
+</file>
+
+<file path=ppt/slides/slide11.xml><?xml version="1.0" encoding="utf-8"?>
+<p:sld xmlns:a="http://schemas.openxmlformats.org/drawingml/2006/main" xmlns:r="http://schemas.openxmlformats.org/officeDocument/2006/relationships" xmlns:p="http://schemas.openxmlformats.org/presentationml/2006/main">
+  <p:cSld>
+    <p:spTree>
+      <p:nvGrpSpPr>
+        <p:cNvPr id="1" name=""/>
+        <p:cNvGrpSpPr/>
+        <p:nvPr/>
+      </p:nvGrpSpPr>
+      <p:grpSpPr>
+        <a:xfrm>
+          <a:off x="0" y="0"/>
+          <a:ext cx="0" cy="0"/>
+          <a:chOff x="0" y="0"/>
+          <a:chExt cx="0" cy="0"/>
+        </a:xfrm>
+      </p:grpSpPr>
+      <p:sp>
+        <p:nvSpPr>
+          <p:cNvPr id="2" name="Title 1"/>
+          <p:cNvSpPr>
+            <a:spLocks noGrp="1"/>
+          </p:cNvSpPr>
+          <p:nvPr>
+            <p:ph type="title"/>
+          </p:nvPr>
+        </p:nvSpPr>
+        <p:spPr/>
+        <p:txBody>
+          <a:bodyPr/>
+          <a:lstStyle/>
+          <a:p>
+            <a:pPr lvl="0" indent="0" marL="0">
+              <a:buNone/>
+            </a:pPr>
+            <a:r>
+              <a:rPr/>
+              <a:t>Scrum Framework</a:t>
+            </a:r>
+          </a:p>
+        </p:txBody>
+      </p:sp>
+      <p:sp>
+        <p:nvSpPr>
+          <p:cNvPr id="3" name="Content Placeholder 2"/>
+          <p:cNvSpPr>
+            <a:spLocks noGrp="1"/>
+          </p:cNvSpPr>
+          <p:nvPr>
+            <p:ph idx="1"/>
+          </p:nvPr>
+        </p:nvSpPr>
+        <p:spPr/>
+        <p:txBody>
+          <a:bodyPr/>
+          <a:lstStyle/>
+          <a:p>
+            <a:pPr lvl="0" indent="0" marL="0">
+              <a:buNone/>
+            </a:pPr>
+            <a:r>
+              <a:rPr/>
+              <a:t>Scrum is a popular Agile framework that divides work into time-boxed iterations called sprints. It includes roles like Scrum Master and Product Owner.</a:t>
+            </a:r>
+          </a:p>
+        </p:txBody>
+      </p:sp>
+    </p:spTree>
+  </p:cSld>
+</p:sld>
+</file>
+
+<file path=ppt/slides/slide12.xml><?xml version="1.0" encoding="utf-8"?>
+<p:sld xmlns:a="http://schemas.openxmlformats.org/drawingml/2006/main" xmlns:r="http://schemas.openxmlformats.org/officeDocument/2006/relationships" xmlns:p="http://schemas.openxmlformats.org/presentationml/2006/main">
+  <p:cSld>
+    <p:spTree>
+      <p:nvGrpSpPr>
+        <p:cNvPr id="1" name=""/>
+        <p:cNvGrpSpPr/>
+        <p:nvPr/>
+      </p:nvGrpSpPr>
+      <p:grpSpPr>
+        <a:xfrm>
+          <a:off x="0" y="0"/>
+          <a:ext cx="0" cy="0"/>
+          <a:chOff x="0" y="0"/>
+          <a:chExt cx="0" cy="0"/>
+        </a:xfrm>
+      </p:grpSpPr>
+      <p:sp>
+        <p:nvSpPr>
+          <p:cNvPr id="2" name="Title 1"/>
+          <p:cNvSpPr>
+            <a:spLocks noGrp="1"/>
+          </p:cNvSpPr>
+          <p:nvPr>
+            <p:ph type="title"/>
+          </p:nvPr>
+        </p:nvSpPr>
+        <p:spPr/>
+        <p:txBody>
+          <a:bodyPr/>
+          <a:lstStyle/>
+          <a:p>
+            <a:pPr lvl="0" indent="0" marL="0">
+              <a:buNone/>
+            </a:pPr>
+            <a:r>
+              <a:rPr/>
+              <a:t>Scrum Artifacts</a:t>
+            </a:r>
+          </a:p>
+        </p:txBody>
+      </p:sp>
+      <p:sp>
+        <p:nvSpPr>
+          <p:cNvPr id="3" name="Content Placeholder 2"/>
+          <p:cNvSpPr>
+            <a:spLocks noGrp="1"/>
+          </p:cNvSpPr>
+          <p:nvPr>
+            <p:ph idx="1"/>
+          </p:nvPr>
+        </p:nvSpPr>
+        <p:spPr/>
+        <p:txBody>
+          <a:bodyPr/>
+          <a:lstStyle/>
+          <a:p>
+            <a:pPr lvl="0"/>
+            <a:r>
+              <a:rPr/>
+              <a:t>Product Backlog</a:t>
+            </a:r>
+          </a:p>
+          <a:p>
+            <a:pPr lvl="0"/>
+            <a:r>
+              <a:rPr/>
+              <a:t>Sprint Backlog</a:t>
+            </a:r>
+          </a:p>
+          <a:p>
+            <a:pPr lvl="0"/>
+            <a:r>
+              <a:rPr/>
+              <a:t>Increment</a:t>
+            </a:r>
+          </a:p>
+        </p:txBody>
+      </p:sp>
+    </p:spTree>
+  </p:cSld>
+</p:sld>
+</file>
+
+<file path=ppt/slides/slide13.xml><?xml version="1.0" encoding="utf-8"?>
+<p:sld xmlns:a="http://schemas.openxmlformats.org/drawingml/2006/main" xmlns:r="http://schemas.openxmlformats.org/officeDocument/2006/relationships" xmlns:p="http://schemas.openxmlformats.org/presentationml/2006/main">
+  <p:cSld>
+    <p:spTree>
+      <p:nvGrpSpPr>
+        <p:cNvPr id="1" name=""/>
+        <p:cNvGrpSpPr/>
+        <p:nvPr/>
+      </p:nvGrpSpPr>
+      <p:grpSpPr>
+        <a:xfrm>
+          <a:off x="0" y="0"/>
+          <a:ext cx="0" cy="0"/>
+          <a:chOff x="0" y="0"/>
+          <a:chExt cx="0" cy="0"/>
+        </a:xfrm>
+      </p:grpSpPr>
+      <p:sp>
+        <p:nvSpPr>
+          <p:cNvPr id="2" name="Title 1"/>
+          <p:cNvSpPr>
+            <a:spLocks noGrp="1"/>
+          </p:cNvSpPr>
+          <p:nvPr>
+            <p:ph type="title"/>
+          </p:nvPr>
+        </p:nvSpPr>
+        <p:spPr>
+          <a:xfrm>
+            <a:off x="856058" y="1064420"/>
+            <a:ext cx="7429500" cy="2139553"/>
+          </a:xfrm>
+        </p:spPr>
+        <p:txBody>
+          <a:bodyPr/>
+          <a:lstStyle/>
+          <a:p>
+            <a:pPr lvl="0" indent="0" marL="0">
+              <a:buNone/>
+            </a:pPr>
+            <a:r>
+              <a:rPr/>
+              <a:t>Kanban Methodology</a:t>
+            </a:r>
+          </a:p>
+        </p:txBody>
+      </p:sp>
+    </p:spTree>
+  </p:cSld>
+</p:sld>
+</file>
+
+<file path=ppt/slides/slide14.xml><?xml version="1.0" encoding="utf-8"?>
+<p:sld xmlns:a="http://schemas.openxmlformats.org/drawingml/2006/main" xmlns:r="http://schemas.openxmlformats.org/officeDocument/2006/relationships" xmlns:p="http://schemas.openxmlformats.org/presentationml/2006/main">
+  <p:cSld>
+    <p:spTree>
+      <p:nvGrpSpPr>
+        <p:cNvPr id="1" name=""/>
+        <p:cNvGrpSpPr/>
+        <p:nvPr/>
+      </p:nvGrpSpPr>
+      <p:grpSpPr>
+        <a:xfrm>
+          <a:off x="0" y="0"/>
+          <a:ext cx="0" cy="0"/>
+          <a:chOff x="0" y="0"/>
+          <a:chExt cx="0" cy="0"/>
+        </a:xfrm>
+      </p:grpSpPr>
+      <p:sp>
+        <p:nvSpPr>
+          <p:cNvPr id="2" name="Title 1"/>
+          <p:cNvSpPr>
+            <a:spLocks noGrp="1"/>
+          </p:cNvSpPr>
+          <p:nvPr>
+            <p:ph type="title"/>
+          </p:nvPr>
+        </p:nvSpPr>
+        <p:spPr/>
+        <p:txBody>
+          <a:bodyPr/>
+          <a:lstStyle/>
+          <a:p>
+            <a:pPr lvl="0" indent="0" marL="0">
+              <a:buNone/>
+            </a:pPr>
+            <a:r>
+              <a:rPr/>
+              <a:t>Kanban Overview</a:t>
+            </a:r>
+          </a:p>
+        </p:txBody>
+      </p:sp>
+      <p:sp>
+        <p:nvSpPr>
+          <p:cNvPr id="3" name="Content Placeholder 2"/>
+          <p:cNvSpPr>
+            <a:spLocks noGrp="1"/>
+          </p:cNvSpPr>
+          <p:nvPr>
+            <p:ph idx="1"/>
+          </p:nvPr>
+        </p:nvSpPr>
+        <p:spPr/>
+        <p:txBody>
+          <a:bodyPr/>
+          <a:lstStyle/>
+          <a:p>
+            <a:pPr lvl="0" indent="0" marL="0">
+              <a:buNone/>
+            </a:pPr>
+            <a:r>
+              <a:rPr/>
+              <a:t>Kanban is a visual system for managing work. It helps teams visualize their workflow and optimize it for efficiency.</a:t>
+            </a:r>
+          </a:p>
+        </p:txBody>
+      </p:sp>
+    </p:spTree>
+  </p:cSld>
+</p:sld>
+</file>
+
+<file path=ppt/slides/slide15.xml><?xml version="1.0" encoding="utf-8"?>
+<p:sld xmlns:a="http://schemas.openxmlformats.org/drawingml/2006/main" xmlns:r="http://schemas.openxmlformats.org/officeDocument/2006/relationships" xmlns:p="http://schemas.openxmlformats.org/presentationml/2006/main">
+  <p:cSld>
+    <p:spTree>
+      <p:nvGrpSpPr>
+        <p:cNvPr id="1" name=""/>
+        <p:cNvGrpSpPr/>
+        <p:nvPr/>
+      </p:nvGrpSpPr>
+      <p:grpSpPr>
+        <a:xfrm>
+          <a:off x="0" y="0"/>
+          <a:ext cx="0" cy="0"/>
+          <a:chOff x="0" y="0"/>
+          <a:chExt cx="0" cy="0"/>
+        </a:xfrm>
+      </p:grpSpPr>
+      <p:sp>
+        <p:nvSpPr>
+          <p:cNvPr id="2" name="Title 1"/>
+          <p:cNvSpPr>
+            <a:spLocks noGrp="1"/>
+          </p:cNvSpPr>
+          <p:nvPr>
+            <p:ph type="title"/>
+          </p:nvPr>
+        </p:nvSpPr>
+        <p:spPr/>
+        <p:txBody>
+          <a:bodyPr/>
+          <a:lstStyle/>
+          <a:p>
+            <a:pPr lvl="0" indent="0" marL="0">
+              <a:buNone/>
+            </a:pPr>
+            <a:r>
+              <a:rPr/>
+              <a:t>Kanban Board</a:t>
+            </a:r>
+          </a:p>
+        </p:txBody>
+      </p:sp>
+      <p:sp>
+        <p:nvSpPr>
+          <p:cNvPr id="3" name="Content Placeholder 2"/>
+          <p:cNvSpPr>
+            <a:spLocks noGrp="1"/>
+          </p:cNvSpPr>
+          <p:nvPr>
+            <p:ph idx="1"/>
+          </p:nvPr>
+        </p:nvSpPr>
+        <p:spPr/>
+        <p:txBody>
+          <a:bodyPr/>
+          <a:lstStyle/>
+          <a:p>
+            <a:pPr lvl="0"/>
+            <a:r>
+              <a:rPr/>
+              <a:t>To-Do</a:t>
+            </a:r>
+          </a:p>
+          <a:p>
+            <a:pPr lvl="0"/>
+            <a:r>
+              <a:rPr/>
+              <a:t>In Progress</a:t>
+            </a:r>
+          </a:p>
+          <a:p>
+            <a:pPr lvl="0"/>
+            <a:r>
+              <a:rPr/>
+              <a:t>Done</a:t>
+            </a:r>
+          </a:p>
+        </p:txBody>
+      </p:sp>
+    </p:spTree>
+  </p:cSld>
+</p:sld>
+</file>
+
+<file path=ppt/slides/slide16.xml><?xml version="1.0" encoding="utf-8"?>
+<p:sld xmlns:a="http://schemas.openxmlformats.org/drawingml/2006/main" xmlns:r="http://schemas.openxmlformats.org/officeDocument/2006/relationships" xmlns:p="http://schemas.openxmlformats.org/presentationml/2006/main">
+  <p:cSld>
+    <p:spTree>
+      <p:nvGrpSpPr>
+        <p:cNvPr id="1" name=""/>
+        <p:cNvGrpSpPr/>
+        <p:nvPr/>
+      </p:nvGrpSpPr>
+      <p:grpSpPr>
+        <a:xfrm>
+          <a:off x="0" y="0"/>
+          <a:ext cx="0" cy="0"/>
+          <a:chOff x="0" y="0"/>
+          <a:chExt cx="0" cy="0"/>
+        </a:xfrm>
+      </p:grpSpPr>
+      <p:sp>
+        <p:nvSpPr>
+          <p:cNvPr id="2" name="Title 1"/>
+          <p:cNvSpPr>
+            <a:spLocks noGrp="1"/>
+          </p:cNvSpPr>
+          <p:nvPr>
+            <p:ph type="title"/>
+          </p:nvPr>
+        </p:nvSpPr>
+        <p:spPr>
+          <a:xfrm>
+            <a:off x="856058" y="1064420"/>
+            <a:ext cx="7429500" cy="2139553"/>
+          </a:xfrm>
+        </p:spPr>
+        <p:txBody>
+          <a:bodyPr/>
+          <a:lstStyle/>
+          <a:p>
+            <a:pPr lvl="0" indent="0" marL="0">
+              <a:buNone/>
+            </a:pPr>
+            <a:r>
+              <a:rPr/>
+              <a:t>Agile Estimation Techniques</a:t>
+            </a:r>
+          </a:p>
+        </p:txBody>
+      </p:sp>
+    </p:spTree>
+  </p:cSld>
+</p:sld>
+</file>
+
+<file path=ppt/slides/slide17.xml><?xml version="1.0" encoding="utf-8"?>
+<p:sld xmlns:a="http://schemas.openxmlformats.org/drawingml/2006/main" xmlns:r="http://schemas.openxmlformats.org/officeDocument/2006/relationships" xmlns:p="http://schemas.openxmlformats.org/presentationml/2006/main">
+  <p:cSld>
+    <p:spTree>
+      <p:nvGrpSpPr>
+        <p:cNvPr id="1" name=""/>
+        <p:cNvGrpSpPr/>
+        <p:nvPr/>
+      </p:nvGrpSpPr>
+      <p:grpSpPr>
+        <a:xfrm>
+          <a:off x="0" y="0"/>
+          <a:ext cx="0" cy="0"/>
+          <a:chOff x="0" y="0"/>
+          <a:chExt cx="0" cy="0"/>
+        </a:xfrm>
+      </p:grpSpPr>
+      <p:sp>
+        <p:nvSpPr>
+          <p:cNvPr id="2" name="Title 1"/>
+          <p:cNvSpPr>
+            <a:spLocks noGrp="1"/>
+          </p:cNvSpPr>
+          <p:nvPr>
+            <p:ph type="title"/>
+          </p:nvPr>
+        </p:nvSpPr>
+        <p:spPr/>
+        <p:txBody>
+          <a:bodyPr/>
+          <a:lstStyle/>
+          <a:p>
+            <a:pPr lvl="0" indent="0" marL="0">
+              <a:buNone/>
+            </a:pPr>
+            <a:r>
+              <a:rPr/>
+              <a:t>Why Estimate in Agile?</a:t>
+            </a:r>
+          </a:p>
+        </p:txBody>
+      </p:sp>
+      <p:sp>
+        <p:nvSpPr>
+          <p:cNvPr id="3" name="Content Placeholder 2"/>
+          <p:cNvSpPr>
+            <a:spLocks noGrp="1"/>
+          </p:cNvSpPr>
+          <p:nvPr>
+            <p:ph idx="1"/>
+          </p:nvPr>
+        </p:nvSpPr>
+        <p:spPr/>
+        <p:txBody>
+          <a:bodyPr/>
+          <a:lstStyle/>
+          <a:p>
+            <a:pPr lvl="0" indent="0" marL="0">
+              <a:buNone/>
+            </a:pPr>
+            <a:r>
+              <a:rPr/>
+              <a:t>Estimation helps teams plan and prioritize work. It provides a basis for making informed decisions.</a:t>
+            </a:r>
+          </a:p>
+        </p:txBody>
+      </p:sp>
+    </p:spTree>
+  </p:cSld>
+</p:sld>
+</file>
+
+<file path=ppt/slides/slide18.xml><?xml version="1.0" encoding="utf-8"?>
+<p:sld xmlns:a="http://schemas.openxmlformats.org/drawingml/2006/main" xmlns:r="http://schemas.openxmlformats.org/officeDocument/2006/relationships" xmlns:p="http://schemas.openxmlformats.org/presentationml/2006/main">
+  <p:cSld>
+    <p:spTree>
+      <p:nvGrpSpPr>
+        <p:cNvPr id="1" name=""/>
+        <p:cNvGrpSpPr/>
+        <p:nvPr/>
+      </p:nvGrpSpPr>
+      <p:grpSpPr>
+        <a:xfrm>
+          <a:off x="0" y="0"/>
+          <a:ext cx="0" cy="0"/>
+          <a:chOff x="0" y="0"/>
+          <a:chExt cx="0" cy="0"/>
+        </a:xfrm>
+      </p:grpSpPr>
+      <p:sp>
+        <p:nvSpPr>
+          <p:cNvPr id="2" name="Title 1"/>
+          <p:cNvSpPr>
+            <a:spLocks noGrp="1"/>
+          </p:cNvSpPr>
+          <p:nvPr>
+            <p:ph type="title"/>
+          </p:nvPr>
+        </p:nvSpPr>
+        <p:spPr/>
+        <p:txBody>
+          <a:bodyPr/>
+          <a:lstStyle/>
+          <a:p>
+            <a:pPr lvl="0" indent="0" marL="0">
+              <a:buNone/>
+            </a:pPr>
+            <a:r>
+              <a:rPr/>
+              <a:t>Relative Estimation</a:t>
+            </a:r>
+          </a:p>
+        </p:txBody>
+      </p:sp>
+      <p:sp>
+        <p:nvSpPr>
+          <p:cNvPr id="3" name="Content Placeholder 2"/>
+          <p:cNvSpPr>
+            <a:spLocks noGrp="1"/>
+          </p:cNvSpPr>
+          <p:nvPr>
+            <p:ph idx="1"/>
+          </p:nvPr>
+        </p:nvSpPr>
+        <p:spPr/>
+        <p:txBody>
+          <a:bodyPr/>
+          <a:lstStyle/>
+          <a:p>
+            <a:pPr lvl="0"/>
+            <a:r>
+              <a:rPr/>
+              <a:t>Story Points</a:t>
+            </a:r>
+          </a:p>
+          <a:p>
+            <a:pPr lvl="0"/>
+            <a:r>
+              <a:rPr/>
+              <a:t>T-shirt Sizes</a:t>
+            </a:r>
+          </a:p>
+        </p:txBody>
+      </p:sp>
+    </p:spTree>
+  </p:cSld>
+</p:sld>
+</file>
+
+<file path=ppt/slides/slide19.xml><?xml version="1.0" encoding="utf-8"?>
+<p:sld xmlns:a="http://schemas.openxmlformats.org/drawingml/2006/main" xmlns:r="http://schemas.openxmlformats.org/officeDocument/2006/relationships" xmlns:p="http://schemas.openxmlformats.org/presentationml/2006/main">
+  <p:cSld>
+    <p:spTree>
+      <p:nvGrpSpPr>
+        <p:cNvPr id="1" name=""/>
+        <p:cNvGrpSpPr/>
+        <p:nvPr/>
+      </p:nvGrpSpPr>
+      <p:grpSpPr>
+        <a:xfrm>
+          <a:off x="0" y="0"/>
+          <a:ext cx="0" cy="0"/>
+          <a:chOff x="0" y="0"/>
+          <a:chExt cx="0" cy="0"/>
+        </a:xfrm>
+      </p:grpSpPr>
+      <p:sp>
+        <p:nvSpPr>
+          <p:cNvPr id="2" name="Title 1"/>
+          <p:cNvSpPr>
+            <a:spLocks noGrp="1"/>
+          </p:cNvSpPr>
+          <p:nvPr>
+            <p:ph type="title"/>
+          </p:nvPr>
+        </p:nvSpPr>
+        <p:spPr>
+          <a:xfrm>
+            <a:off x="856058" y="1064420"/>
+            <a:ext cx="7429500" cy="2139553"/>
+          </a:xfrm>
+        </p:spPr>
+        <p:txBody>
+          <a:bodyPr/>
+          <a:lstStyle/>
+          <a:p>
+            <a:pPr lvl="0" indent="0" marL="0">
+              <a:buNone/>
+            </a:pPr>
+            <a:r>
+              <a:rPr/>
+              <a:t>Course Conclusion</a:t>
+            </a:r>
+          </a:p>
+        </p:txBody>
+      </p:sp>
+    </p:spTree>
+  </p:cSld>
+</p:sld>
+</file>
+
 <file path=ppt/slides/slide2.xml><?xml version="1.0" encoding="utf-8"?>
 <p:sld xmlns:a="http://schemas.openxmlformats.org/drawingml/2006/main" xmlns:r="http://schemas.openxmlformats.org/officeDocument/2006/relationships" xmlns:p="http://schemas.openxmlformats.org/presentationml/2006/main">
   <p:cSld>
@@ -13587,26 +15011,277 @@
               <a:t>Bullet</a:t>
             </a:r>
           </a:p>
-          <a:p>
-            <a:pPr lvl="0" indent="0">
+        </p:txBody>
+      </p:sp>
+    </p:spTree>
+  </p:cSld>
+</p:sld>
+</file>
+
+<file path=ppt/slides/slide20.xml><?xml version="1.0" encoding="utf-8"?>
+<p:sld xmlns:a="http://schemas.openxmlformats.org/drawingml/2006/main" xmlns:r="http://schemas.openxmlformats.org/officeDocument/2006/relationships" xmlns:p="http://schemas.openxmlformats.org/presentationml/2006/main">
+  <p:cSld>
+    <p:spTree>
+      <p:nvGrpSpPr>
+        <p:cNvPr id="1" name=""/>
+        <p:cNvGrpSpPr/>
+        <p:nvPr/>
+      </p:nvGrpSpPr>
+      <p:grpSpPr>
+        <a:xfrm>
+          <a:off x="0" y="0"/>
+          <a:ext cx="0" cy="0"/>
+          <a:chOff x="0" y="0"/>
+          <a:chExt cx="0" cy="0"/>
+        </a:xfrm>
+      </p:grpSpPr>
+      <p:sp>
+        <p:nvSpPr>
+          <p:cNvPr id="2" name="Title 1"/>
+          <p:cNvSpPr>
+            <a:spLocks noGrp="1"/>
+          </p:cNvSpPr>
+          <p:nvPr>
+            <p:ph type="title"/>
+          </p:nvPr>
+        </p:nvSpPr>
+        <p:spPr/>
+        <p:txBody>
+          <a:bodyPr/>
+          <a:lstStyle/>
+          <a:p>
+            <a:pPr lvl="0" indent="0" marL="0">
               <a:buNone/>
             </a:pPr>
             <a:r>
-              <a:rPr>
-                <a:latin typeface="Courier"/>
-              </a:rPr>
-              <a:t>pandoc "C:\GitRepos\DevOpsJunkies\PowerPoint Markdown Format.md" -t pptx --reference-doc="C:\ProDataMan\Sample PowerPoint with Notes.pptx" --output "C:\GitRepos\DevOpsJunkies\Sample PowerPoint with Notes.pptx""</a:t>
-            </a:r>
-          </a:p>
+              <a:rPr/>
+              <a:t>Wrapping Up</a:t>
+            </a:r>
+          </a:p>
+        </p:txBody>
+      </p:sp>
+      <p:sp>
+        <p:nvSpPr>
+          <p:cNvPr id="3" name="Content Placeholder 2"/>
+          <p:cNvSpPr>
+            <a:spLocks noGrp="1"/>
+          </p:cNvSpPr>
+          <p:nvPr>
+            <p:ph idx="1"/>
+          </p:nvPr>
+        </p:nvSpPr>
+        <p:spPr/>
+        <p:txBody>
+          <a:bodyPr/>
+          <a:lstStyle/>
           <a:p>
             <a:pPr lvl="0" indent="0" marL="0">
               <a:buNone/>
             </a:pPr>
             <a:r>
-              <a:rPr>
-                <a:hlinkClick r:id="rId3"/>
-              </a:rPr>
-              <a:t>Goggles Home Page</a:t>
+              <a:rPr/>
+              <a:t>In this course, you’ve learned the fundamentals of Agile, explored Scrum and Kanban, and discovered Agile estimation techniques.</a:t>
+            </a:r>
+          </a:p>
+        </p:txBody>
+      </p:sp>
+    </p:spTree>
+  </p:cSld>
+</p:sld>
+</file>
+
+<file path=ppt/slides/slide21.xml><?xml version="1.0" encoding="utf-8"?>
+<p:sld xmlns:a="http://schemas.openxmlformats.org/drawingml/2006/main" xmlns:r="http://schemas.openxmlformats.org/officeDocument/2006/relationships" xmlns:p="http://schemas.openxmlformats.org/presentationml/2006/main">
+  <p:cSld>
+    <p:spTree>
+      <p:nvGrpSpPr>
+        <p:cNvPr id="1" name=""/>
+        <p:cNvGrpSpPr/>
+        <p:nvPr/>
+      </p:nvGrpSpPr>
+      <p:grpSpPr>
+        <a:xfrm>
+          <a:off x="0" y="0"/>
+          <a:ext cx="0" cy="0"/>
+          <a:chOff x="0" y="0"/>
+          <a:chExt cx="0" cy="0"/>
+        </a:xfrm>
+      </p:grpSpPr>
+      <p:sp>
+        <p:nvSpPr>
+          <p:cNvPr id="2" name="Title 1"/>
+          <p:cNvSpPr>
+            <a:spLocks noGrp="1"/>
+          </p:cNvSpPr>
+          <p:nvPr>
+            <p:ph type="title"/>
+          </p:nvPr>
+        </p:nvSpPr>
+        <p:spPr/>
+        <p:txBody>
+          <a:bodyPr/>
+          <a:lstStyle/>
+          <a:p>
+            <a:pPr lvl="0" indent="0" marL="0">
+              <a:buNone/>
+            </a:pPr>
+            <a:r>
+              <a:rPr/>
+              <a:t>Next Steps</a:t>
+            </a:r>
+          </a:p>
+        </p:txBody>
+      </p:sp>
+      <p:sp>
+        <p:nvSpPr>
+          <p:cNvPr id="3" name="Content Placeholder 2"/>
+          <p:cNvSpPr>
+            <a:spLocks noGrp="1"/>
+          </p:cNvSpPr>
+          <p:nvPr>
+            <p:ph idx="1"/>
+          </p:nvPr>
+        </p:nvSpPr>
+        <p:spPr/>
+        <p:txBody>
+          <a:bodyPr/>
+          <a:lstStyle/>
+          <a:p>
+            <a:pPr lvl="0"/>
+            <a:r>
+              <a:rPr/>
+              <a:t>Apply Agile in your projects</a:t>
+            </a:r>
+          </a:p>
+          <a:p>
+            <a:pPr lvl="0"/>
+            <a:r>
+              <a:rPr/>
+              <a:t>Explore advanced Agile topics</a:t>
+            </a:r>
+          </a:p>
+        </p:txBody>
+      </p:sp>
+    </p:spTree>
+  </p:cSld>
+</p:sld>
+</file>
+
+<file path=ppt/slides/slide22.xml><?xml version="1.0" encoding="utf-8"?>
+<p:sld xmlns:a="http://schemas.openxmlformats.org/drawingml/2006/main" xmlns:r="http://schemas.openxmlformats.org/officeDocument/2006/relationships" xmlns:p="http://schemas.openxmlformats.org/presentationml/2006/main">
+  <p:cSld>
+    <p:spTree>
+      <p:nvGrpSpPr>
+        <p:cNvPr id="1" name=""/>
+        <p:cNvGrpSpPr/>
+        <p:nvPr/>
+      </p:nvGrpSpPr>
+      <p:grpSpPr>
+        <a:xfrm>
+          <a:off x="0" y="0"/>
+          <a:ext cx="0" cy="0"/>
+          <a:chOff x="0" y="0"/>
+          <a:chExt cx="0" cy="0"/>
+        </a:xfrm>
+      </p:grpSpPr>
+      <p:sp>
+        <p:nvSpPr>
+          <p:cNvPr id="2" name="Title 1"/>
+          <p:cNvSpPr>
+            <a:spLocks noGrp="1"/>
+          </p:cNvSpPr>
+          <p:nvPr>
+            <p:ph type="title"/>
+          </p:nvPr>
+        </p:nvSpPr>
+        <p:spPr>
+          <a:xfrm>
+            <a:off x="856058" y="1064420"/>
+            <a:ext cx="7429500" cy="2139553"/>
+          </a:xfrm>
+        </p:spPr>
+        <p:txBody>
+          <a:bodyPr/>
+          <a:lstStyle/>
+          <a:p>
+            <a:pPr lvl="0" indent="0" marL="0">
+              <a:buNone/>
+            </a:pPr>
+            <a:r>
+              <a:rPr/>
+              <a:t>Get Started!</a:t>
+            </a:r>
+          </a:p>
+        </p:txBody>
+      </p:sp>
+    </p:spTree>
+  </p:cSld>
+</p:sld>
+</file>
+
+<file path=ppt/slides/slide23.xml><?xml version="1.0" encoding="utf-8"?>
+<p:sld xmlns:a="http://schemas.openxmlformats.org/drawingml/2006/main" xmlns:r="http://schemas.openxmlformats.org/officeDocument/2006/relationships" xmlns:p="http://schemas.openxmlformats.org/presentationml/2006/main">
+  <p:cSld>
+    <p:spTree>
+      <p:nvGrpSpPr>
+        <p:cNvPr id="1" name=""/>
+        <p:cNvGrpSpPr/>
+        <p:nvPr/>
+      </p:nvGrpSpPr>
+      <p:grpSpPr>
+        <a:xfrm>
+          <a:off x="0" y="0"/>
+          <a:ext cx="0" cy="0"/>
+          <a:chOff x="0" y="0"/>
+          <a:chExt cx="0" cy="0"/>
+        </a:xfrm>
+      </p:grpSpPr>
+      <p:sp>
+        <p:nvSpPr>
+          <p:cNvPr id="2" name="Title 1"/>
+          <p:cNvSpPr>
+            <a:spLocks noGrp="1"/>
+          </p:cNvSpPr>
+          <p:nvPr>
+            <p:ph type="title"/>
+          </p:nvPr>
+        </p:nvSpPr>
+        <p:spPr/>
+        <p:txBody>
+          <a:bodyPr/>
+          <a:lstStyle/>
+          <a:p>
+            <a:pPr lvl="0" indent="0" marL="0">
+              <a:buNone/>
+            </a:pPr>
+            <a:r>
+              <a:rPr/>
+              <a:t>Time to Dive In</a:t>
+            </a:r>
+          </a:p>
+        </p:txBody>
+      </p:sp>
+      <p:sp>
+        <p:nvSpPr>
+          <p:cNvPr id="3" name="Content Placeholder 2"/>
+          <p:cNvSpPr>
+            <a:spLocks noGrp="1"/>
+          </p:cNvSpPr>
+          <p:nvPr>
+            <p:ph idx="1"/>
+          </p:nvPr>
+        </p:nvSpPr>
+        <p:spPr/>
+        <p:txBody>
+          <a:bodyPr/>
+          <a:lstStyle/>
+          <a:p>
+            <a:pPr lvl="0" indent="0" marL="0">
+              <a:buNone/>
+            </a:pPr>
+            <a:r>
+              <a:rPr/>
+              <a:t>Now that you’re equipped with Agile knowledge, it’s time to start your Agile journey!</a:t>
             </a:r>
           </a:p>
         </p:txBody>
@@ -13643,7 +15318,12 @@
             <p:ph type="title"/>
           </p:nvPr>
         </p:nvSpPr>
-        <p:spPr/>
+        <p:spPr>
+          <a:xfrm>
+            <a:off x="856058" y="1064420"/>
+            <a:ext cx="7429500" cy="2139553"/>
+          </a:xfrm>
+        </p:spPr>
         <p:txBody>
           <a:bodyPr/>
           <a:lstStyle/>
@@ -13653,113 +15333,7 @@
             </a:pPr>
             <a:r>
               <a:rPr/>
-              <a:t>Second slide in Section Title</a:t>
-            </a:r>
-          </a:p>
-        </p:txBody>
-      </p:sp>
-      <p:sp>
-        <p:nvSpPr>
-          <p:cNvPr id="3" name="Content Placeholder 2"/>
-          <p:cNvSpPr>
-            <a:spLocks noGrp="1"/>
-          </p:cNvSpPr>
-          <p:nvPr>
-            <p:ph idx="1"/>
-          </p:nvPr>
-        </p:nvSpPr>
-        <p:spPr/>
-        <p:txBody>
-          <a:bodyPr/>
-          <a:lstStyle/>
-          <a:p>
-            <a:pPr lvl="0" indent="0" marL="0">
-              <a:buNone/>
-            </a:pPr>
-            <a:r>
-              <a:rPr/>
-              <a:t>More Text on a slide:</a:t>
-            </a:r>
-          </a:p>
-          <a:p>
-            <a:pPr lvl="0"/>
-            <a:r>
-              <a:rPr/>
-              <a:t>Bullet</a:t>
-            </a:r>
-          </a:p>
-          <a:p>
-            <a:pPr lvl="0"/>
-            <a:r>
-              <a:rPr/>
-              <a:t>Bullet</a:t>
-            </a:r>
-          </a:p>
-          <a:p>
-            <a:pPr lvl="0"/>
-            <a:r>
-              <a:rPr/>
-              <a:t>Bullet</a:t>
-            </a:r>
-          </a:p>
-        </p:txBody>
-      </p:sp>
-      <p:pic>
-        <p:nvPicPr>
-          <p:cNvPr descr="https://upload.wikimedia.org/wikipedia/commons/0/04/ChatGPT_logo.svg" id="0" name="Picture 1"/>
-          <p:cNvPicPr>
-            <a:picLocks noGrp="1" noChangeAspect="1"/>
-          </p:cNvPicPr>
-          <p:nvPr/>
-        </p:nvPicPr>
-        <p:blipFill>
-          <a:blip r:embed="rId3"/>
-          <a:stretch>
-            <a:fillRect/>
-          </a:stretch>
-        </p:blipFill>
-        <p:spPr bwMode="auto">
-          <a:xfrm>
-            <a:off x="3479800" y="1676400"/>
-            <a:ext cx="2146300" cy="2146300"/>
-          </a:xfrm>
-          <a:prstGeom prst="rect">
-            <a:avLst/>
-          </a:prstGeom>
-          <a:noFill/>
-          <a:ln w="9525">
-            <a:noFill/>
-            <a:headEnd/>
-            <a:tailEnd/>
-          </a:ln>
-        </p:spPr>
-      </p:pic>
-      <p:sp>
-        <p:nvSpPr>
-          <p:cNvPr id="1" name="TextBox 3"/>
-          <p:cNvSpPr txBox="1"/>
-          <p:nvPr/>
-        </p:nvSpPr>
-        <p:spPr>
-          <a:xfrm>
-            <a:off x="850900" y="3822700"/>
-            <a:ext cx="7416800" cy="508000"/>
-          </a:xfrm>
-          <a:prstGeom prst="rect">
-            <a:avLst/>
-          </a:prstGeom>
-          <a:noFill/>
-        </p:spPr>
-        <p:txBody>
-          <a:bodyPr/>
-          <a:lstStyle/>
-          <a:p>
-            <a:pPr lvl="0" indent="0" marL="0" algn="ctr">
-              <a:buNone/>
-            </a:pPr>
-            <a:r>
-              <a:rPr/>
-              <a:t>ChatGPT Logo</a:t>
+              <a:t>Agile Project Management Course</a:t>
             </a:r>
           </a:p>
         </p:txBody>
@@ -13811,7 +15385,7 @@
             </a:pPr>
             <a:r>
               <a:rPr/>
-              <a:t>Beginnig of a new Section</a:t>
+              <a:t>Fuck you</a:t>
             </a:r>
           </a:p>
         </p:txBody>
@@ -13858,7 +15432,7 @@
             </a:pPr>
             <a:r>
               <a:rPr/>
-              <a:t>First Slide in a new Section</a:t>
+              <a:t>Introduction</a:t>
             </a:r>
           </a:p>
         </p:txBody>
@@ -13883,28 +15457,7 @@
             </a:pPr>
             <a:r>
               <a:rPr/>
-              <a:t>More Text on a slide:</a:t>
-            </a:r>
-          </a:p>
-          <a:p>
-            <a:pPr lvl="0"/>
-            <a:r>
-              <a:rPr/>
-              <a:t>Bullet</a:t>
-            </a:r>
-          </a:p>
-          <a:p>
-            <a:pPr lvl="0"/>
-            <a:r>
-              <a:rPr/>
-              <a:t>Bullet</a:t>
-            </a:r>
-          </a:p>
-          <a:p>
-            <a:pPr lvl="0"/>
-            <a:r>
-              <a:rPr/>
-              <a:t>Bullet</a:t>
+              <a:t>Welcome to the Agile Project Management Course. In this course, you will learn the principles and practices of Agile project management.</a:t>
             </a:r>
           </a:p>
         </p:txBody>
@@ -13951,7 +15504,7 @@
             </a:pPr>
             <a:r>
               <a:rPr/>
-              <a:t>Second Slide in new Section</a:t>
+              <a:t>Course Overview</a:t>
             </a:r>
           </a:p>
         </p:txBody>
@@ -13971,39 +15524,259 @@
           <a:bodyPr/>
           <a:lstStyle/>
           <a:p>
-            <a:pPr lvl="0" indent="-342900" marL="342900">
-              <a:buAutoNum type="arabicPeriod"/>
+            <a:pPr lvl="0" indent="0" marL="0">
+              <a:buNone/>
             </a:pPr>
             <a:r>
               <a:rPr/>
-              <a:t>Item 1</a:t>
-            </a:r>
-          </a:p>
-          <a:p>
-            <a:pPr lvl="0" indent="-342900" marL="342900">
-              <a:buAutoNum type="arabicPeriod"/>
+              <a:t>Let’s start with an overview of what this course will cover:</a:t>
+            </a:r>
+          </a:p>
+          <a:p>
+            <a:pPr lvl="0"/>
+            <a:r>
+              <a:rPr/>
+              <a:t>Understanding Agile</a:t>
+            </a:r>
+          </a:p>
+          <a:p>
+            <a:pPr lvl="0"/>
+            <a:r>
+              <a:rPr/>
+              <a:t>Scrum Methodology</a:t>
+            </a:r>
+          </a:p>
+          <a:p>
+            <a:pPr lvl="0"/>
+            <a:r>
+              <a:rPr/>
+              <a:t>Kanban Methodology</a:t>
+            </a:r>
+          </a:p>
+          <a:p>
+            <a:pPr lvl="0"/>
+            <a:r>
+              <a:rPr/>
+              <a:t>Agile Estimation Techniques</a:t>
+            </a:r>
+          </a:p>
+          <a:p>
+            <a:pPr lvl="0" indent="0" marL="0">
+              <a:buNone/>
             </a:pPr>
             <a:r>
+              <a:rPr>
+                <a:hlinkClick r:id="rId3"/>
+              </a:rPr>
+              <a:t>Goggles Home Page</a:t>
+            </a:r>
+          </a:p>
+        </p:txBody>
+      </p:sp>
+    </p:spTree>
+  </p:cSld>
+</p:sld>
+</file>
+
+<file path=ppt/slides/slide7.xml><?xml version="1.0" encoding="utf-8"?>
+<p:sld xmlns:a="http://schemas.openxmlformats.org/drawingml/2006/main" xmlns:r="http://schemas.openxmlformats.org/officeDocument/2006/relationships" xmlns:p="http://schemas.openxmlformats.org/presentationml/2006/main">
+  <p:cSld>
+    <p:spTree>
+      <p:nvGrpSpPr>
+        <p:cNvPr id="1" name=""/>
+        <p:cNvGrpSpPr/>
+        <p:nvPr/>
+      </p:nvGrpSpPr>
+      <p:grpSpPr>
+        <a:xfrm>
+          <a:off x="0" y="0"/>
+          <a:ext cx="0" cy="0"/>
+          <a:chOff x="0" y="0"/>
+          <a:chExt cx="0" cy="0"/>
+        </a:xfrm>
+      </p:grpSpPr>
+      <p:sp>
+        <p:nvSpPr>
+          <p:cNvPr id="2" name="Title 1"/>
+          <p:cNvSpPr>
+            <a:spLocks noGrp="1"/>
+          </p:cNvSpPr>
+          <p:nvPr>
+            <p:ph type="title"/>
+          </p:nvPr>
+        </p:nvSpPr>
+        <p:spPr>
+          <a:xfrm>
+            <a:off x="856058" y="1064420"/>
+            <a:ext cx="7429500" cy="2139553"/>
+          </a:xfrm>
+        </p:spPr>
+        <p:txBody>
+          <a:bodyPr/>
+          <a:lstStyle/>
+          <a:p>
+            <a:pPr lvl="0" indent="0" marL="0">
+              <a:buNone/>
+            </a:pPr>
+            <a:r>
               <a:rPr/>
-              <a:t>Item 2</a:t>
-            </a:r>
-          </a:p>
-          <a:p>
-            <a:pPr lvl="0" indent="-342900" marL="342900">
-              <a:buAutoNum type="arabicPeriod"/>
+              <a:t>Agile Fundamentals</a:t>
+            </a:r>
+          </a:p>
+        </p:txBody>
+      </p:sp>
+    </p:spTree>
+  </p:cSld>
+</p:sld>
+</file>
+
+<file path=ppt/slides/slide8.xml><?xml version="1.0" encoding="utf-8"?>
+<p:sld xmlns:a="http://schemas.openxmlformats.org/drawingml/2006/main" xmlns:r="http://schemas.openxmlformats.org/officeDocument/2006/relationships" xmlns:p="http://schemas.openxmlformats.org/presentationml/2006/main">
+  <p:cSld>
+    <p:spTree>
+      <p:nvGrpSpPr>
+        <p:cNvPr id="1" name=""/>
+        <p:cNvGrpSpPr/>
+        <p:nvPr/>
+      </p:nvGrpSpPr>
+      <p:grpSpPr>
+        <a:xfrm>
+          <a:off x="0" y="0"/>
+          <a:ext cx="0" cy="0"/>
+          <a:chOff x="0" y="0"/>
+          <a:chExt cx="0" cy="0"/>
+        </a:xfrm>
+      </p:grpSpPr>
+      <p:sp>
+        <p:nvSpPr>
+          <p:cNvPr id="2" name="Title 1"/>
+          <p:cNvSpPr>
+            <a:spLocks noGrp="1"/>
+          </p:cNvSpPr>
+          <p:nvPr>
+            <p:ph type="title"/>
+          </p:nvPr>
+        </p:nvSpPr>
+        <p:spPr/>
+        <p:txBody>
+          <a:bodyPr/>
+          <a:lstStyle/>
+          <a:p>
+            <a:pPr lvl="0" indent="0" marL="0">
+              <a:buNone/>
             </a:pPr>
             <a:r>
               <a:rPr/>
-              <a:t>Item 3</a:t>
-            </a:r>
-          </a:p>
-          <a:p>
-            <a:pPr lvl="0" indent="-342900" marL="342900">
-              <a:buAutoNum type="arabicPeriod"/>
+              <a:t>Agile Fundamentals Explained</a:t>
+            </a:r>
+          </a:p>
+        </p:txBody>
+      </p:sp>
+      <p:sp>
+        <p:nvSpPr>
+          <p:cNvPr id="3" name="Content Placeholder 2"/>
+          <p:cNvSpPr>
+            <a:spLocks noGrp="1"/>
+          </p:cNvSpPr>
+          <p:nvPr>
+            <p:ph idx="1"/>
+          </p:nvPr>
+        </p:nvSpPr>
+        <p:spPr/>
+        <p:txBody>
+          <a:bodyPr/>
+          <a:lstStyle/>
+          <a:p>
+            <a:pPr lvl="0" indent="0" marL="0">
+              <a:buNone/>
             </a:pPr>
             <a:r>
               <a:rPr/>
-              <a:t>Item 4</a:t>
+              <a:t>Agile is an iterative approach to software development and project management that helps teams deliver value to their customers faster and with fewer errors.</a:t>
+            </a:r>
+          </a:p>
+        </p:txBody>
+      </p:sp>
+    </p:spTree>
+  </p:cSld>
+</p:sld>
+</file>
+
+<file path=ppt/slides/slide9.xml><?xml version="1.0" encoding="utf-8"?>
+<p:sld xmlns:a="http://schemas.openxmlformats.org/drawingml/2006/main" xmlns:r="http://schemas.openxmlformats.org/officeDocument/2006/relationships" xmlns:p="http://schemas.openxmlformats.org/presentationml/2006/main">
+  <p:cSld>
+    <p:spTree>
+      <p:nvGrpSpPr>
+        <p:cNvPr id="1" name=""/>
+        <p:cNvGrpSpPr/>
+        <p:nvPr/>
+      </p:nvGrpSpPr>
+      <p:grpSpPr>
+        <a:xfrm>
+          <a:off x="0" y="0"/>
+          <a:ext cx="0" cy="0"/>
+          <a:chOff x="0" y="0"/>
+          <a:chExt cx="0" cy="0"/>
+        </a:xfrm>
+      </p:grpSpPr>
+      <p:sp>
+        <p:nvSpPr>
+          <p:cNvPr id="2" name="Title 1"/>
+          <p:cNvSpPr>
+            <a:spLocks noGrp="1"/>
+          </p:cNvSpPr>
+          <p:nvPr>
+            <p:ph type="title"/>
+          </p:nvPr>
+        </p:nvSpPr>
+        <p:spPr/>
+        <p:txBody>
+          <a:bodyPr/>
+          <a:lstStyle/>
+          <a:p>
+            <a:pPr lvl="0" indent="0" marL="0">
+              <a:buNone/>
+            </a:pPr>
+            <a:r>
+              <a:rPr/>
+              <a:t>Key Principles</a:t>
+            </a:r>
+          </a:p>
+        </p:txBody>
+      </p:sp>
+      <p:sp>
+        <p:nvSpPr>
+          <p:cNvPr id="3" name="Content Placeholder 2"/>
+          <p:cNvSpPr>
+            <a:spLocks noGrp="1"/>
+          </p:cNvSpPr>
+          <p:nvPr>
+            <p:ph idx="1"/>
+          </p:nvPr>
+        </p:nvSpPr>
+        <p:spPr/>
+        <p:txBody>
+          <a:bodyPr/>
+          <a:lstStyle/>
+          <a:p>
+            <a:pPr lvl="0"/>
+            <a:r>
+              <a:rPr/>
+              <a:t>Customer collaboration</a:t>
+            </a:r>
+          </a:p>
+          <a:p>
+            <a:pPr lvl="0"/>
+            <a:r>
+              <a:rPr/>
+              <a:t>Responding to change</a:t>
+            </a:r>
+          </a:p>
+          <a:p>
+            <a:pPr lvl="0"/>
+            <a:r>
+              <a:rPr/>
+              <a:t>Delivering working software</a:t>
             </a:r>
           </a:p>
         </p:txBody>
